--- a/Manuscript/Figures/Results_ConceptualCDFs_OMSZ.pptx
+++ b/Manuscript/Figures/Results_ConceptualCDFs_OMSZ.pptx
@@ -104,19 +104,72 @@
       </a:defRPr>
     </a:lvl9pPr>
   </p:defaultTextStyle>
+  <p:extLst>
+    <p:ext uri="{EFAFB233-063F-42B5-8137-9DF3F51BA10A}">
+      <p15:sldGuideLst xmlns:p15="http://schemas.microsoft.com/office/powerpoint/2012/main"/>
+    </p:ext>
+  </p:extLst>
 </p:presentation>
-</file>
-
-<file path=ppt/revisionInfo.xml><?xml version="1.0" encoding="utf-8"?>
-<p1510:revInfo xmlns:a="http://schemas.openxmlformats.org/drawingml/2006/main" xmlns:r="http://schemas.openxmlformats.org/officeDocument/2006/relationships" xmlns:p1510="http://schemas.microsoft.com/office/powerpoint/2015/10/main">
-  <p1510:revLst>
-    <p1510:client id="{5B155C2E-3C30-4677-B0D7-90B48207DA0B}" v="180" dt="2021-05-07T11:19:32.577"/>
-  </p1510:revLst>
-</p1510:revInfo>
 </file>
 
 <file path=ppt/changesInfos/changesInfo1.xml><?xml version="1.0" encoding="utf-8"?>
 <pc:chgInfo xmlns:a="http://schemas.openxmlformats.org/drawingml/2006/main" xmlns:r="http://schemas.openxmlformats.org/officeDocument/2006/relationships" xmlns:ac="http://schemas.microsoft.com/office/drawing/2013/main/command" xmlns:pc="http://schemas.microsoft.com/office/powerpoint/2013/main/command">
+  <pc:docChgLst>
+    <pc:chgData name="Fatima Pillosu" userId="a6295d4dc9e22643" providerId="LiveId" clId="{7D8C41E2-4B47-4A63-98B5-853B986786F7}"/>
+    <pc:docChg chg="modSld">
+      <pc:chgData name="Fatima Pillosu" userId="a6295d4dc9e22643" providerId="LiveId" clId="{7D8C41E2-4B47-4A63-98B5-853B986786F7}" dt="2021-10-01T13:08:37.437" v="9" actId="20577"/>
+      <pc:docMkLst>
+        <pc:docMk/>
+      </pc:docMkLst>
+      <pc:sldChg chg="modSp mod">
+        <pc:chgData name="Fatima Pillosu" userId="a6295d4dc9e22643" providerId="LiveId" clId="{7D8C41E2-4B47-4A63-98B5-853B986786F7}" dt="2021-10-01T13:08:37.437" v="9" actId="20577"/>
+        <pc:sldMkLst>
+          <pc:docMk/>
+          <pc:sldMk cId="1189933881" sldId="256"/>
+        </pc:sldMkLst>
+        <pc:spChg chg="mod">
+          <ac:chgData name="Fatima Pillosu" userId="a6295d4dc9e22643" providerId="LiveId" clId="{7D8C41E2-4B47-4A63-98B5-853B986786F7}" dt="2021-10-01T13:08:31.037" v="3" actId="20577"/>
+          <ac:spMkLst>
+            <pc:docMk/>
+            <pc:sldMk cId="1189933881" sldId="256"/>
+            <ac:spMk id="171" creationId="{AD3C9947-6307-4B6C-8C92-1EBC47B820A3}"/>
+          </ac:spMkLst>
+        </pc:spChg>
+        <pc:spChg chg="mod">
+          <ac:chgData name="Fatima Pillosu" userId="a6295d4dc9e22643" providerId="LiveId" clId="{7D8C41E2-4B47-4A63-98B5-853B986786F7}" dt="2021-10-01T13:08:27.691" v="1" actId="20577"/>
+          <ac:spMkLst>
+            <pc:docMk/>
+            <pc:sldMk cId="1189933881" sldId="256"/>
+            <ac:spMk id="172" creationId="{AA2C60D1-9083-4124-A9EE-CCFC7BB1981E}"/>
+          </ac:spMkLst>
+        </pc:spChg>
+        <pc:spChg chg="mod">
+          <ac:chgData name="Fatima Pillosu" userId="a6295d4dc9e22643" providerId="LiveId" clId="{7D8C41E2-4B47-4A63-98B5-853B986786F7}" dt="2021-10-01T13:08:35.218" v="7" actId="20577"/>
+          <ac:spMkLst>
+            <pc:docMk/>
+            <pc:sldMk cId="1189933881" sldId="256"/>
+            <ac:spMk id="173" creationId="{2C292B9B-9B52-470C-BC2D-A8BC13F5D714}"/>
+          </ac:spMkLst>
+        </pc:spChg>
+        <pc:spChg chg="mod">
+          <ac:chgData name="Fatima Pillosu" userId="a6295d4dc9e22643" providerId="LiveId" clId="{7D8C41E2-4B47-4A63-98B5-853B986786F7}" dt="2021-10-01T13:08:37.437" v="9" actId="20577"/>
+          <ac:spMkLst>
+            <pc:docMk/>
+            <pc:sldMk cId="1189933881" sldId="256"/>
+            <ac:spMk id="175" creationId="{6BD80D55-2082-404A-8A80-C1A0794FC89E}"/>
+          </ac:spMkLst>
+        </pc:spChg>
+        <pc:spChg chg="mod">
+          <ac:chgData name="Fatima Pillosu" userId="a6295d4dc9e22643" providerId="LiveId" clId="{7D8C41E2-4B47-4A63-98B5-853B986786F7}" dt="2021-10-01T13:08:33.014" v="5" actId="20577"/>
+          <ac:spMkLst>
+            <pc:docMk/>
+            <pc:sldMk cId="1189933881" sldId="256"/>
+            <ac:spMk id="176" creationId="{85C46C4F-92A7-4D83-ABED-8098FEA49BF6}"/>
+          </ac:spMkLst>
+        </pc:spChg>
+      </pc:sldChg>
+    </pc:docChg>
+  </pc:docChgLst>
   <pc:docChgLst>
     <pc:chgData name="Fatima Pillosu" userId="a6295d4dc9e22643" providerId="LiveId" clId="{5B155C2E-3C30-4677-B0D7-90B48207DA0B}"/>
     <pc:docChg chg="undo custSel modSld">
@@ -1275,7 +1328,7 @@
           <a:p>
             <a:fld id="{5C4508BD-B5BA-45D8-BBE2-C70A97A5D8AA}" type="datetimeFigureOut">
               <a:rPr lang="en-GB" smtClean="0"/>
-              <a:t>07/05/2021</a:t>
+              <a:t>01/10/2021</a:t>
             </a:fld>
             <a:endParaRPr lang="en-GB"/>
           </a:p>
@@ -1445,7 +1498,7 @@
           <a:p>
             <a:fld id="{5C4508BD-B5BA-45D8-BBE2-C70A97A5D8AA}" type="datetimeFigureOut">
               <a:rPr lang="en-GB" smtClean="0"/>
-              <a:t>07/05/2021</a:t>
+              <a:t>01/10/2021</a:t>
             </a:fld>
             <a:endParaRPr lang="en-GB"/>
           </a:p>
@@ -1625,7 +1678,7 @@
           <a:p>
             <a:fld id="{5C4508BD-B5BA-45D8-BBE2-C70A97A5D8AA}" type="datetimeFigureOut">
               <a:rPr lang="en-GB" smtClean="0"/>
-              <a:t>07/05/2021</a:t>
+              <a:t>01/10/2021</a:t>
             </a:fld>
             <a:endParaRPr lang="en-GB"/>
           </a:p>
@@ -1795,7 +1848,7 @@
           <a:p>
             <a:fld id="{5C4508BD-B5BA-45D8-BBE2-C70A97A5D8AA}" type="datetimeFigureOut">
               <a:rPr lang="en-GB" smtClean="0"/>
-              <a:t>07/05/2021</a:t>
+              <a:t>01/10/2021</a:t>
             </a:fld>
             <a:endParaRPr lang="en-GB"/>
           </a:p>
@@ -2039,7 +2092,7 @@
           <a:p>
             <a:fld id="{5C4508BD-B5BA-45D8-BBE2-C70A97A5D8AA}" type="datetimeFigureOut">
               <a:rPr lang="en-GB" smtClean="0"/>
-              <a:t>07/05/2021</a:t>
+              <a:t>01/10/2021</a:t>
             </a:fld>
             <a:endParaRPr lang="en-GB"/>
           </a:p>
@@ -2271,7 +2324,7 @@
           <a:p>
             <a:fld id="{5C4508BD-B5BA-45D8-BBE2-C70A97A5D8AA}" type="datetimeFigureOut">
               <a:rPr lang="en-GB" smtClean="0"/>
-              <a:t>07/05/2021</a:t>
+              <a:t>01/10/2021</a:t>
             </a:fld>
             <a:endParaRPr lang="en-GB"/>
           </a:p>
@@ -2638,7 +2691,7 @@
           <a:p>
             <a:fld id="{5C4508BD-B5BA-45D8-BBE2-C70A97A5D8AA}" type="datetimeFigureOut">
               <a:rPr lang="en-GB" smtClean="0"/>
-              <a:t>07/05/2021</a:t>
+              <a:t>01/10/2021</a:t>
             </a:fld>
             <a:endParaRPr lang="en-GB"/>
           </a:p>
@@ -2756,7 +2809,7 @@
           <a:p>
             <a:fld id="{5C4508BD-B5BA-45D8-BBE2-C70A97A5D8AA}" type="datetimeFigureOut">
               <a:rPr lang="en-GB" smtClean="0"/>
-              <a:t>07/05/2021</a:t>
+              <a:t>01/10/2021</a:t>
             </a:fld>
             <a:endParaRPr lang="en-GB"/>
           </a:p>
@@ -2851,7 +2904,7 @@
           <a:p>
             <a:fld id="{5C4508BD-B5BA-45D8-BBE2-C70A97A5D8AA}" type="datetimeFigureOut">
               <a:rPr lang="en-GB" smtClean="0"/>
-              <a:t>07/05/2021</a:t>
+              <a:t>01/10/2021</a:t>
             </a:fld>
             <a:endParaRPr lang="en-GB"/>
           </a:p>
@@ -3128,7 +3181,7 @@
           <a:p>
             <a:fld id="{5C4508BD-B5BA-45D8-BBE2-C70A97A5D8AA}" type="datetimeFigureOut">
               <a:rPr lang="en-GB" smtClean="0"/>
-              <a:t>07/05/2021</a:t>
+              <a:t>01/10/2021</a:t>
             </a:fld>
             <a:endParaRPr lang="en-GB"/>
           </a:p>
@@ -3385,7 +3438,7 @@
           <a:p>
             <a:fld id="{5C4508BD-B5BA-45D8-BBE2-C70A97A5D8AA}" type="datetimeFigureOut">
               <a:rPr lang="en-GB" smtClean="0"/>
-              <a:t>07/05/2021</a:t>
+              <a:t>01/10/2021</a:t>
             </a:fld>
             <a:endParaRPr lang="en-GB"/>
           </a:p>
@@ -3598,7 +3651,7 @@
           <a:p>
             <a:fld id="{5C4508BD-B5BA-45D8-BBE2-C70A97A5D8AA}" type="datetimeFigureOut">
               <a:rPr lang="en-GB" smtClean="0"/>
-              <a:t>07/05/2021</a:t>
+              <a:t>01/10/2021</a:t>
             </a:fld>
             <a:endParaRPr lang="en-GB"/>
           </a:p>
@@ -5772,7 +5825,7 @@
                   <a:srgbClr val="0000FF"/>
                 </a:solidFill>
               </a:rPr>
-              <a:t>A</a:t>
+              <a:t>a</a:t>
             </a:r>
           </a:p>
         </p:txBody>
@@ -5812,7 +5865,7 @@
                   <a:srgbClr val="00B050"/>
                 </a:solidFill>
               </a:rPr>
-              <a:t>B</a:t>
+              <a:t>b</a:t>
             </a:r>
           </a:p>
         </p:txBody>
@@ -5852,7 +5905,7 @@
                   <a:srgbClr val="FF00FF"/>
                 </a:solidFill>
               </a:rPr>
-              <a:t>E</a:t>
+              <a:t>e</a:t>
             </a:r>
           </a:p>
         </p:txBody>
@@ -6910,7 +6963,7 @@
                   <a:srgbClr val="582808"/>
                 </a:solidFill>
               </a:rPr>
-              <a:t>D</a:t>
+              <a:t>d</a:t>
             </a:r>
           </a:p>
         </p:txBody>
@@ -6950,7 +7003,7 @@
                   <a:srgbClr val="FF9933"/>
                 </a:solidFill>
               </a:rPr>
-              <a:t>C</a:t>
+              <a:t>c</a:t>
             </a:r>
           </a:p>
         </p:txBody>
